--- a/docs/capa-design.pptx
+++ b/docs/capa-design.pptx
@@ -7,6 +7,8 @@
   <p:sldIdLst>
     <p:sldId id="256" r:id="rId2"/>
     <p:sldId id="257" r:id="rId3"/>
+    <p:sldId id="258" r:id="rId4"/>
+    <p:sldId id="259" r:id="rId5"/>
   </p:sldIdLst>
   <p:sldSz cx="12192000" cy="6858000"/>
   <p:notesSz cx="6858000" cy="9144000"/>
@@ -105,6 +107,11 @@
       </a:defRPr>
     </a:lvl9pPr>
   </p:defaultTextStyle>
+  <p:extLst>
+    <p:ext uri="{EFAFB233-063F-42B5-8137-9DF3F51BA10A}">
+      <p15:sldGuideLst xmlns:p15="http://schemas.microsoft.com/office/powerpoint/2012/main"/>
+    </p:ext>
+  </p:extLst>
 </p:presentation>
 </file>
 
@@ -239,7 +246,7 @@
           <a:p>
             <a:fld id="{6F41F6FD-DB88-4E64-A7B6-9C856EF17D0E}" type="datetimeFigureOut">
               <a:rPr lang="zh-CN" altLang="en-US" smtClean="0"/>
-              <a:t>2021/8/3</a:t>
+              <a:t>2021/11/3</a:t>
             </a:fld>
             <a:endParaRPr lang="zh-CN" altLang="en-US"/>
           </a:p>
@@ -409,7 +416,7 @@
           <a:p>
             <a:fld id="{6F41F6FD-DB88-4E64-A7B6-9C856EF17D0E}" type="datetimeFigureOut">
               <a:rPr lang="zh-CN" altLang="en-US" smtClean="0"/>
-              <a:t>2021/8/3</a:t>
+              <a:t>2021/11/3</a:t>
             </a:fld>
             <a:endParaRPr lang="zh-CN" altLang="en-US"/>
           </a:p>
@@ -589,7 +596,7 @@
           <a:p>
             <a:fld id="{6F41F6FD-DB88-4E64-A7B6-9C856EF17D0E}" type="datetimeFigureOut">
               <a:rPr lang="zh-CN" altLang="en-US" smtClean="0"/>
-              <a:t>2021/8/3</a:t>
+              <a:t>2021/11/3</a:t>
             </a:fld>
             <a:endParaRPr lang="zh-CN" altLang="en-US"/>
           </a:p>
@@ -759,7 +766,7 @@
           <a:p>
             <a:fld id="{6F41F6FD-DB88-4E64-A7B6-9C856EF17D0E}" type="datetimeFigureOut">
               <a:rPr lang="zh-CN" altLang="en-US" smtClean="0"/>
-              <a:t>2021/8/3</a:t>
+              <a:t>2021/11/3</a:t>
             </a:fld>
             <a:endParaRPr lang="zh-CN" altLang="en-US"/>
           </a:p>
@@ -1005,7 +1012,7 @@
           <a:p>
             <a:fld id="{6F41F6FD-DB88-4E64-A7B6-9C856EF17D0E}" type="datetimeFigureOut">
               <a:rPr lang="zh-CN" altLang="en-US" smtClean="0"/>
-              <a:t>2021/8/3</a:t>
+              <a:t>2021/11/3</a:t>
             </a:fld>
             <a:endParaRPr lang="zh-CN" altLang="en-US"/>
           </a:p>
@@ -1237,7 +1244,7 @@
           <a:p>
             <a:fld id="{6F41F6FD-DB88-4E64-A7B6-9C856EF17D0E}" type="datetimeFigureOut">
               <a:rPr lang="zh-CN" altLang="en-US" smtClean="0"/>
-              <a:t>2021/8/3</a:t>
+              <a:t>2021/11/3</a:t>
             </a:fld>
             <a:endParaRPr lang="zh-CN" altLang="en-US"/>
           </a:p>
@@ -1604,7 +1611,7 @@
           <a:p>
             <a:fld id="{6F41F6FD-DB88-4E64-A7B6-9C856EF17D0E}" type="datetimeFigureOut">
               <a:rPr lang="zh-CN" altLang="en-US" smtClean="0"/>
-              <a:t>2021/8/3</a:t>
+              <a:t>2021/11/3</a:t>
             </a:fld>
             <a:endParaRPr lang="zh-CN" altLang="en-US"/>
           </a:p>
@@ -1722,7 +1729,7 @@
           <a:p>
             <a:fld id="{6F41F6FD-DB88-4E64-A7B6-9C856EF17D0E}" type="datetimeFigureOut">
               <a:rPr lang="zh-CN" altLang="en-US" smtClean="0"/>
-              <a:t>2021/8/3</a:t>
+              <a:t>2021/11/3</a:t>
             </a:fld>
             <a:endParaRPr lang="zh-CN" altLang="en-US"/>
           </a:p>
@@ -1817,7 +1824,7 @@
           <a:p>
             <a:fld id="{6F41F6FD-DB88-4E64-A7B6-9C856EF17D0E}" type="datetimeFigureOut">
               <a:rPr lang="zh-CN" altLang="en-US" smtClean="0"/>
-              <a:t>2021/8/3</a:t>
+              <a:t>2021/11/3</a:t>
             </a:fld>
             <a:endParaRPr lang="zh-CN" altLang="en-US"/>
           </a:p>
@@ -2094,7 +2101,7 @@
           <a:p>
             <a:fld id="{6F41F6FD-DB88-4E64-A7B6-9C856EF17D0E}" type="datetimeFigureOut">
               <a:rPr lang="zh-CN" altLang="en-US" smtClean="0"/>
-              <a:t>2021/8/3</a:t>
+              <a:t>2021/11/3</a:t>
             </a:fld>
             <a:endParaRPr lang="zh-CN" altLang="en-US"/>
           </a:p>
@@ -2347,7 +2354,7 @@
           <a:p>
             <a:fld id="{6F41F6FD-DB88-4E64-A7B6-9C856EF17D0E}" type="datetimeFigureOut">
               <a:rPr lang="zh-CN" altLang="en-US" smtClean="0"/>
-              <a:t>2021/8/3</a:t>
+              <a:t>2021/11/3</a:t>
             </a:fld>
             <a:endParaRPr lang="zh-CN" altLang="en-US"/>
           </a:p>
@@ -2560,7 +2567,7 @@
           <a:p>
             <a:fld id="{6F41F6FD-DB88-4E64-A7B6-9C856EF17D0E}" type="datetimeFigureOut">
               <a:rPr lang="zh-CN" altLang="en-US" smtClean="0"/>
-              <a:t>2021/8/3</a:t>
+              <a:t>2021/11/3</a:t>
             </a:fld>
             <a:endParaRPr lang="zh-CN" altLang="en-US"/>
           </a:p>
@@ -3787,15 +3794,7 @@
             </a:br>
             <a:r>
               <a:rPr lang="en-US" altLang="zh-CN" sz="1200" dirty="0" smtClean="0"/>
-              <a:t>&lt;</a:t>
-            </a:r>
-            <a:r>
-              <a:rPr lang="en-US" altLang="zh-CN" sz="1200" dirty="0" smtClean="0"/>
-              <a:t>abstract</a:t>
-            </a:r>
-            <a:r>
-              <a:rPr lang="en-US" altLang="zh-CN" sz="1200" dirty="0" smtClean="0"/>
-              <a:t>&gt;</a:t>
+              <a:t>&lt;abstract&gt;</a:t>
             </a:r>
             <a:endParaRPr lang="zh-CN" altLang="en-US" sz="1200" dirty="0"/>
           </a:p>
@@ -3846,15 +3845,7 @@
             </a:br>
             <a:r>
               <a:rPr lang="en-US" altLang="zh-CN" sz="1200" dirty="0" smtClean="0"/>
-              <a:t>&lt;</a:t>
-            </a:r>
-            <a:r>
-              <a:rPr lang="en-US" altLang="zh-CN" sz="1200" dirty="0" smtClean="0"/>
-              <a:t>abstract</a:t>
-            </a:r>
-            <a:r>
-              <a:rPr lang="en-US" altLang="zh-CN" sz="1200" dirty="0" smtClean="0"/>
-              <a:t>&gt;</a:t>
+              <a:t>&lt;abstract&gt;</a:t>
             </a:r>
             <a:endParaRPr lang="zh-CN" altLang="en-US" sz="1200" dirty="0"/>
           </a:p>
@@ -5221,15 +5212,7 @@
             </a:br>
             <a:r>
               <a:rPr lang="en-US" altLang="zh-CN" sz="1200" dirty="0" smtClean="0"/>
-              <a:t>&lt;</a:t>
-            </a:r>
-            <a:r>
-              <a:rPr lang="en-US" altLang="zh-CN" sz="1200" dirty="0" smtClean="0"/>
-              <a:t>abstract</a:t>
-            </a:r>
-            <a:r>
-              <a:rPr lang="en-US" altLang="zh-CN" sz="1200" dirty="0" smtClean="0"/>
-              <a:t>&gt;</a:t>
+              <a:t>&lt;abstract&gt;</a:t>
             </a:r>
             <a:endParaRPr lang="zh-CN" altLang="en-US" sz="1200" dirty="0"/>
           </a:p>
@@ -6181,6 +6164,948 @@
       </p:par>
     </p:tnLst>
   </p:timing>
+</p:sld>
+</file>
+
+<file path=ppt/slides/slide3.xml><?xml version="1.0" encoding="utf-8"?>
+<p:sld xmlns:a="http://schemas.openxmlformats.org/drawingml/2006/main" xmlns:r="http://schemas.openxmlformats.org/officeDocument/2006/relationships" xmlns:p="http://schemas.openxmlformats.org/presentationml/2006/main">
+  <p:cSld>
+    <p:spTree>
+      <p:nvGrpSpPr>
+        <p:cNvPr id="1" name=""/>
+        <p:cNvGrpSpPr/>
+        <p:nvPr/>
+      </p:nvGrpSpPr>
+      <p:grpSpPr>
+        <a:xfrm>
+          <a:off x="0" y="0"/>
+          <a:ext cx="0" cy="0"/>
+          <a:chOff x="0" y="0"/>
+          <a:chExt cx="0" cy="0"/>
+        </a:xfrm>
+      </p:grpSpPr>
+      <p:sp>
+        <p:nvSpPr>
+          <p:cNvPr id="4" name="矩形 3"/>
+          <p:cNvSpPr/>
+          <p:nvPr/>
+        </p:nvSpPr>
+        <p:spPr>
+          <a:xfrm>
+            <a:off x="5189344" y="1506172"/>
+            <a:ext cx="1586267" cy="606828"/>
+          </a:xfrm>
+          <a:prstGeom prst="rect">
+            <a:avLst/>
+          </a:prstGeom>
+        </p:spPr>
+        <p:style>
+          <a:lnRef idx="2">
+            <a:schemeClr val="accent1">
+              <a:shade val="50000"/>
+            </a:schemeClr>
+          </a:lnRef>
+          <a:fillRef idx="1">
+            <a:schemeClr val="accent1"/>
+          </a:fillRef>
+          <a:effectRef idx="0">
+            <a:schemeClr val="accent1"/>
+          </a:effectRef>
+          <a:fontRef idx="minor">
+            <a:schemeClr val="lt1"/>
+          </a:fontRef>
+        </p:style>
+        <p:txBody>
+          <a:bodyPr rtlCol="0" anchor="ctr"/>
+          <a:lstStyle/>
+          <a:p>
+            <a:pPr algn="ctr"/>
+            <a:r>
+              <a:rPr lang="en-US" altLang="zh-CN" sz="1200" dirty="0" smtClean="0"/>
+              <a:t>SOA</a:t>
+            </a:r>
+          </a:p>
+          <a:p>
+            <a:pPr algn="ctr"/>
+            <a:r>
+              <a:rPr lang="en-US" altLang="zh-CN" sz="1200" dirty="0" smtClean="0"/>
+              <a:t>&lt;Interface&gt;</a:t>
+            </a:r>
+            <a:endParaRPr lang="zh-CN" altLang="en-US" sz="1200" dirty="0"/>
+          </a:p>
+        </p:txBody>
+      </p:sp>
+      <p:sp>
+        <p:nvSpPr>
+          <p:cNvPr id="5" name="矩形 4"/>
+          <p:cNvSpPr/>
+          <p:nvPr/>
+        </p:nvSpPr>
+        <p:spPr>
+          <a:xfrm>
+            <a:off x="3603077" y="4443335"/>
+            <a:ext cx="1586267" cy="606828"/>
+          </a:xfrm>
+          <a:prstGeom prst="rect">
+            <a:avLst/>
+          </a:prstGeom>
+        </p:spPr>
+        <p:style>
+          <a:lnRef idx="2">
+            <a:schemeClr val="accent1">
+              <a:shade val="50000"/>
+            </a:schemeClr>
+          </a:lnRef>
+          <a:fillRef idx="1">
+            <a:schemeClr val="accent1"/>
+          </a:fillRef>
+          <a:effectRef idx="0">
+            <a:schemeClr val="accent1"/>
+          </a:effectRef>
+          <a:fontRef idx="minor">
+            <a:schemeClr val="lt1"/>
+          </a:fontRef>
+        </p:style>
+        <p:txBody>
+          <a:bodyPr rtlCol="0" anchor="ctr"/>
+          <a:lstStyle/>
+          <a:p>
+            <a:pPr algn="ctr"/>
+            <a:r>
+              <a:rPr lang="en-US" altLang="zh-CN" sz="1200" dirty="0" err="1" smtClean="0"/>
+              <a:t>Ctrip</a:t>
+            </a:r>
+            <a:endParaRPr lang="en-US" altLang="zh-CN" sz="1200" dirty="0" smtClean="0"/>
+          </a:p>
+          <a:p>
+            <a:pPr algn="ctr"/>
+            <a:r>
+              <a:rPr lang="en-US" altLang="zh-CN" sz="1200" dirty="0" smtClean="0"/>
+              <a:t>SOA</a:t>
+            </a:r>
+          </a:p>
+          <a:p>
+            <a:pPr algn="ctr"/>
+            <a:r>
+              <a:rPr lang="en-US" altLang="zh-CN" sz="1200" dirty="0" smtClean="0"/>
+              <a:t>&lt;Implement&gt;</a:t>
+            </a:r>
+            <a:endParaRPr lang="zh-CN" altLang="en-US" sz="1200" dirty="0"/>
+          </a:p>
+        </p:txBody>
+      </p:sp>
+      <p:sp>
+        <p:nvSpPr>
+          <p:cNvPr id="6" name="矩形 5"/>
+          <p:cNvSpPr/>
+          <p:nvPr/>
+        </p:nvSpPr>
+        <p:spPr>
+          <a:xfrm>
+            <a:off x="6775611" y="4443335"/>
+            <a:ext cx="1586267" cy="606828"/>
+          </a:xfrm>
+          <a:prstGeom prst="rect">
+            <a:avLst/>
+          </a:prstGeom>
+        </p:spPr>
+        <p:style>
+          <a:lnRef idx="2">
+            <a:schemeClr val="accent1">
+              <a:shade val="50000"/>
+            </a:schemeClr>
+          </a:lnRef>
+          <a:fillRef idx="1">
+            <a:schemeClr val="accent1"/>
+          </a:fillRef>
+          <a:effectRef idx="0">
+            <a:schemeClr val="accent1"/>
+          </a:effectRef>
+          <a:fontRef idx="minor">
+            <a:schemeClr val="lt1"/>
+          </a:fontRef>
+        </p:style>
+        <p:txBody>
+          <a:bodyPr rtlCol="0" anchor="ctr"/>
+          <a:lstStyle/>
+          <a:p>
+            <a:pPr algn="ctr"/>
+            <a:r>
+              <a:rPr lang="en-US" altLang="zh-CN" sz="1200" dirty="0" smtClean="0"/>
+              <a:t>AWS</a:t>
+            </a:r>
+          </a:p>
+          <a:p>
+            <a:pPr algn="ctr"/>
+            <a:r>
+              <a:rPr lang="en-US" altLang="zh-CN" sz="1200" dirty="0" smtClean="0"/>
+              <a:t>App Mesh</a:t>
+            </a:r>
+          </a:p>
+          <a:p>
+            <a:pPr algn="ctr"/>
+            <a:r>
+              <a:rPr lang="en-US" altLang="zh-CN" sz="1200" dirty="0" smtClean="0"/>
+              <a:t>&lt;Implement&gt;</a:t>
+            </a:r>
+            <a:endParaRPr lang="zh-CN" altLang="en-US" sz="1200" dirty="0"/>
+          </a:p>
+        </p:txBody>
+      </p:sp>
+      <p:sp>
+        <p:nvSpPr>
+          <p:cNvPr id="7" name="矩形 6"/>
+          <p:cNvSpPr/>
+          <p:nvPr/>
+        </p:nvSpPr>
+        <p:spPr>
+          <a:xfrm>
+            <a:off x="5189343" y="2113000"/>
+            <a:ext cx="1586267" cy="178540"/>
+          </a:xfrm>
+          <a:prstGeom prst="rect">
+            <a:avLst/>
+          </a:prstGeom>
+        </p:spPr>
+        <p:style>
+          <a:lnRef idx="2">
+            <a:schemeClr val="accent6">
+              <a:shade val="50000"/>
+            </a:schemeClr>
+          </a:lnRef>
+          <a:fillRef idx="1">
+            <a:schemeClr val="accent6"/>
+          </a:fillRef>
+          <a:effectRef idx="0">
+            <a:schemeClr val="accent6"/>
+          </a:effectRef>
+          <a:fontRef idx="minor">
+            <a:schemeClr val="lt1"/>
+          </a:fontRef>
+        </p:style>
+        <p:txBody>
+          <a:bodyPr rtlCol="0" anchor="ctr"/>
+          <a:lstStyle/>
+          <a:p>
+            <a:pPr algn="ctr"/>
+            <a:r>
+              <a:rPr lang="en-US" altLang="zh-CN" sz="1200" dirty="0" smtClean="0"/>
+              <a:t>SPI</a:t>
+            </a:r>
+            <a:endParaRPr lang="zh-CN" altLang="en-US" sz="1200" dirty="0"/>
+          </a:p>
+        </p:txBody>
+      </p:sp>
+      <p:cxnSp>
+        <p:nvCxnSpPr>
+          <p:cNvPr id="9" name="直接箭头连接符 8"/>
+          <p:cNvCxnSpPr>
+            <a:stCxn id="7" idx="2"/>
+            <a:endCxn id="5" idx="0"/>
+          </p:cNvCxnSpPr>
+          <p:nvPr/>
+        </p:nvCxnSpPr>
+        <p:spPr>
+          <a:xfrm flipH="1">
+            <a:off x="4396211" y="2291540"/>
+            <a:ext cx="1586266" cy="2151795"/>
+          </a:xfrm>
+          <a:prstGeom prst="straightConnector1">
+            <a:avLst/>
+          </a:prstGeom>
+          <a:ln>
+            <a:tailEnd type="triangle"/>
+          </a:ln>
+        </p:spPr>
+        <p:style>
+          <a:lnRef idx="2">
+            <a:schemeClr val="dk1"/>
+          </a:lnRef>
+          <a:fillRef idx="0">
+            <a:schemeClr val="dk1"/>
+          </a:fillRef>
+          <a:effectRef idx="1">
+            <a:schemeClr val="dk1"/>
+          </a:effectRef>
+          <a:fontRef idx="minor">
+            <a:schemeClr val="tx1"/>
+          </a:fontRef>
+        </p:style>
+      </p:cxnSp>
+      <p:cxnSp>
+        <p:nvCxnSpPr>
+          <p:cNvPr id="10" name="直接箭头连接符 9"/>
+          <p:cNvCxnSpPr>
+            <a:stCxn id="7" idx="2"/>
+            <a:endCxn id="6" idx="0"/>
+          </p:cNvCxnSpPr>
+          <p:nvPr/>
+        </p:nvCxnSpPr>
+        <p:spPr>
+          <a:xfrm>
+            <a:off x="5982477" y="2291540"/>
+            <a:ext cx="1586268" cy="2151795"/>
+          </a:xfrm>
+          <a:prstGeom prst="straightConnector1">
+            <a:avLst/>
+          </a:prstGeom>
+          <a:ln>
+            <a:tailEnd type="triangle"/>
+          </a:ln>
+        </p:spPr>
+        <p:style>
+          <a:lnRef idx="2">
+            <a:schemeClr val="dk1"/>
+          </a:lnRef>
+          <a:fillRef idx="0">
+            <a:schemeClr val="dk1"/>
+          </a:fillRef>
+          <a:effectRef idx="1">
+            <a:schemeClr val="dk1"/>
+          </a:effectRef>
+          <a:fontRef idx="minor">
+            <a:schemeClr val="tx1"/>
+          </a:fontRef>
+        </p:style>
+      </p:cxnSp>
+      <p:sp>
+        <p:nvSpPr>
+          <p:cNvPr id="13" name="矩形 12"/>
+          <p:cNvSpPr/>
+          <p:nvPr/>
+        </p:nvSpPr>
+        <p:spPr>
+          <a:xfrm>
+            <a:off x="7976878" y="1506172"/>
+            <a:ext cx="1586267" cy="606828"/>
+          </a:xfrm>
+          <a:prstGeom prst="rect">
+            <a:avLst/>
+          </a:prstGeom>
+        </p:spPr>
+        <p:style>
+          <a:lnRef idx="2">
+            <a:schemeClr val="accent1">
+              <a:shade val="50000"/>
+            </a:schemeClr>
+          </a:lnRef>
+          <a:fillRef idx="1">
+            <a:schemeClr val="accent1"/>
+          </a:fillRef>
+          <a:effectRef idx="0">
+            <a:schemeClr val="accent1"/>
+          </a:effectRef>
+          <a:fontRef idx="minor">
+            <a:schemeClr val="lt1"/>
+          </a:fontRef>
+        </p:style>
+        <p:txBody>
+          <a:bodyPr rtlCol="0" anchor="ctr"/>
+          <a:lstStyle/>
+          <a:p>
+            <a:pPr algn="ctr"/>
+            <a:r>
+              <a:rPr lang="en-US" altLang="zh-CN" sz="1200" dirty="0" err="1" smtClean="0"/>
+              <a:t>Dubbo</a:t>
+            </a:r>
+            <a:endParaRPr lang="en-US" altLang="zh-CN" sz="1200" dirty="0" smtClean="0"/>
+          </a:p>
+          <a:p>
+            <a:pPr algn="ctr"/>
+            <a:r>
+              <a:rPr lang="en-US" altLang="zh-CN" sz="1200" dirty="0"/>
+              <a:t>?</a:t>
+            </a:r>
+            <a:endParaRPr lang="en-US" altLang="zh-CN" sz="1200" dirty="0" smtClean="0"/>
+          </a:p>
+        </p:txBody>
+      </p:sp>
+    </p:spTree>
+    <p:extLst>
+      <p:ext uri="{BB962C8B-B14F-4D97-AF65-F5344CB8AC3E}">
+        <p14:creationId xmlns:p14="http://schemas.microsoft.com/office/powerpoint/2010/main" val="664807504"/>
+      </p:ext>
+    </p:extLst>
+  </p:cSld>
+  <p:clrMapOvr>
+    <a:masterClrMapping/>
+  </p:clrMapOvr>
+</p:sld>
+</file>
+
+<file path=ppt/slides/slide4.xml><?xml version="1.0" encoding="utf-8"?>
+<p:sld xmlns:a="http://schemas.openxmlformats.org/drawingml/2006/main" xmlns:r="http://schemas.openxmlformats.org/officeDocument/2006/relationships" xmlns:p="http://schemas.openxmlformats.org/presentationml/2006/main">
+  <p:cSld>
+    <p:spTree>
+      <p:nvGrpSpPr>
+        <p:cNvPr id="1" name=""/>
+        <p:cNvGrpSpPr/>
+        <p:nvPr/>
+      </p:nvGrpSpPr>
+      <p:grpSpPr>
+        <a:xfrm>
+          <a:off x="0" y="0"/>
+          <a:ext cx="0" cy="0"/>
+          <a:chOff x="0" y="0"/>
+          <a:chExt cx="0" cy="0"/>
+        </a:xfrm>
+      </p:grpSpPr>
+      <p:sp>
+        <p:nvSpPr>
+          <p:cNvPr id="4" name="矩形 3"/>
+          <p:cNvSpPr/>
+          <p:nvPr/>
+        </p:nvSpPr>
+        <p:spPr>
+          <a:xfrm>
+            <a:off x="5189342" y="550208"/>
+            <a:ext cx="1586267" cy="606828"/>
+          </a:xfrm>
+          <a:prstGeom prst="rect">
+            <a:avLst/>
+          </a:prstGeom>
+        </p:spPr>
+        <p:style>
+          <a:lnRef idx="2">
+            <a:schemeClr val="accent1">
+              <a:shade val="50000"/>
+            </a:schemeClr>
+          </a:lnRef>
+          <a:fillRef idx="1">
+            <a:schemeClr val="accent1"/>
+          </a:fillRef>
+          <a:effectRef idx="0">
+            <a:schemeClr val="accent1"/>
+          </a:effectRef>
+          <a:fontRef idx="minor">
+            <a:schemeClr val="lt1"/>
+          </a:fontRef>
+        </p:style>
+        <p:txBody>
+          <a:bodyPr rtlCol="0" anchor="ctr"/>
+          <a:lstStyle/>
+          <a:p>
+            <a:pPr algn="ctr"/>
+            <a:r>
+              <a:rPr lang="en-US" altLang="zh-CN" sz="1200" dirty="0" smtClean="0"/>
+              <a:t>SOA</a:t>
+            </a:r>
+          </a:p>
+          <a:p>
+            <a:pPr algn="ctr"/>
+            <a:r>
+              <a:rPr lang="en-US" altLang="zh-CN" sz="1200" dirty="0" smtClean="0"/>
+              <a:t>&lt;Interface&gt;</a:t>
+            </a:r>
+            <a:endParaRPr lang="zh-CN" altLang="en-US" sz="1200" dirty="0"/>
+          </a:p>
+        </p:txBody>
+      </p:sp>
+      <p:sp>
+        <p:nvSpPr>
+          <p:cNvPr id="5" name="矩形 4"/>
+          <p:cNvSpPr/>
+          <p:nvPr/>
+        </p:nvSpPr>
+        <p:spPr>
+          <a:xfrm>
+            <a:off x="3603077" y="4443335"/>
+            <a:ext cx="1586267" cy="606828"/>
+          </a:xfrm>
+          <a:prstGeom prst="rect">
+            <a:avLst/>
+          </a:prstGeom>
+        </p:spPr>
+        <p:style>
+          <a:lnRef idx="2">
+            <a:schemeClr val="accent1">
+              <a:shade val="50000"/>
+            </a:schemeClr>
+          </a:lnRef>
+          <a:fillRef idx="1">
+            <a:schemeClr val="accent1"/>
+          </a:fillRef>
+          <a:effectRef idx="0">
+            <a:schemeClr val="accent1"/>
+          </a:effectRef>
+          <a:fontRef idx="minor">
+            <a:schemeClr val="lt1"/>
+          </a:fontRef>
+        </p:style>
+        <p:txBody>
+          <a:bodyPr rtlCol="0" anchor="ctr"/>
+          <a:lstStyle/>
+          <a:p>
+            <a:pPr algn="ctr"/>
+            <a:r>
+              <a:rPr lang="en-US" altLang="zh-CN" sz="1200" dirty="0" err="1" smtClean="0"/>
+              <a:t>Ctrip</a:t>
+            </a:r>
+            <a:endParaRPr lang="en-US" altLang="zh-CN" sz="1200" dirty="0" smtClean="0"/>
+          </a:p>
+          <a:p>
+            <a:pPr algn="ctr"/>
+            <a:r>
+              <a:rPr lang="en-US" altLang="zh-CN" sz="1200" dirty="0" smtClean="0"/>
+              <a:t>SOA</a:t>
+            </a:r>
+          </a:p>
+          <a:p>
+            <a:pPr algn="ctr"/>
+            <a:r>
+              <a:rPr lang="en-US" altLang="zh-CN" sz="1200" dirty="0" smtClean="0"/>
+              <a:t>&lt;Implement&gt;</a:t>
+            </a:r>
+            <a:endParaRPr lang="zh-CN" altLang="en-US" sz="1200" dirty="0"/>
+          </a:p>
+        </p:txBody>
+      </p:sp>
+      <p:sp>
+        <p:nvSpPr>
+          <p:cNvPr id="6" name="矩形 5"/>
+          <p:cNvSpPr/>
+          <p:nvPr/>
+        </p:nvSpPr>
+        <p:spPr>
+          <a:xfrm>
+            <a:off x="6775611" y="4443335"/>
+            <a:ext cx="1586267" cy="606828"/>
+          </a:xfrm>
+          <a:prstGeom prst="rect">
+            <a:avLst/>
+          </a:prstGeom>
+        </p:spPr>
+        <p:style>
+          <a:lnRef idx="2">
+            <a:schemeClr val="accent1">
+              <a:shade val="50000"/>
+            </a:schemeClr>
+          </a:lnRef>
+          <a:fillRef idx="1">
+            <a:schemeClr val="accent1"/>
+          </a:fillRef>
+          <a:effectRef idx="0">
+            <a:schemeClr val="accent1"/>
+          </a:effectRef>
+          <a:fontRef idx="minor">
+            <a:schemeClr val="lt1"/>
+          </a:fontRef>
+        </p:style>
+        <p:txBody>
+          <a:bodyPr rtlCol="0" anchor="ctr"/>
+          <a:lstStyle/>
+          <a:p>
+            <a:pPr algn="ctr"/>
+            <a:r>
+              <a:rPr lang="en-US" altLang="zh-CN" sz="1200" dirty="0" smtClean="0"/>
+              <a:t>AWS</a:t>
+            </a:r>
+          </a:p>
+          <a:p>
+            <a:pPr algn="ctr"/>
+            <a:r>
+              <a:rPr lang="en-US" altLang="zh-CN" sz="1200" dirty="0" smtClean="0"/>
+              <a:t>App Mesh</a:t>
+            </a:r>
+          </a:p>
+          <a:p>
+            <a:pPr algn="ctr"/>
+            <a:r>
+              <a:rPr lang="en-US" altLang="zh-CN" sz="1200" dirty="0" smtClean="0"/>
+              <a:t>&lt;Implement&gt;</a:t>
+            </a:r>
+            <a:endParaRPr lang="zh-CN" altLang="en-US" sz="1200" dirty="0"/>
+          </a:p>
+        </p:txBody>
+      </p:sp>
+      <p:sp>
+        <p:nvSpPr>
+          <p:cNvPr id="7" name="矩形 6"/>
+          <p:cNvSpPr/>
+          <p:nvPr/>
+        </p:nvSpPr>
+        <p:spPr>
+          <a:xfrm>
+            <a:off x="5189343" y="2911022"/>
+            <a:ext cx="1586267" cy="178540"/>
+          </a:xfrm>
+          <a:prstGeom prst="rect">
+            <a:avLst/>
+          </a:prstGeom>
+        </p:spPr>
+        <p:style>
+          <a:lnRef idx="2">
+            <a:schemeClr val="accent6">
+              <a:shade val="50000"/>
+            </a:schemeClr>
+          </a:lnRef>
+          <a:fillRef idx="1">
+            <a:schemeClr val="accent6"/>
+          </a:fillRef>
+          <a:effectRef idx="0">
+            <a:schemeClr val="accent6"/>
+          </a:effectRef>
+          <a:fontRef idx="minor">
+            <a:schemeClr val="lt1"/>
+          </a:fontRef>
+        </p:style>
+        <p:txBody>
+          <a:bodyPr rtlCol="0" anchor="ctr"/>
+          <a:lstStyle/>
+          <a:p>
+            <a:pPr algn="ctr"/>
+            <a:r>
+              <a:rPr lang="en-US" altLang="zh-CN" sz="1200" dirty="0" smtClean="0"/>
+              <a:t>SPI</a:t>
+            </a:r>
+            <a:endParaRPr lang="zh-CN" altLang="en-US" sz="1200" dirty="0"/>
+          </a:p>
+        </p:txBody>
+      </p:sp>
+      <p:cxnSp>
+        <p:nvCxnSpPr>
+          <p:cNvPr id="9" name="直接箭头连接符 8"/>
+          <p:cNvCxnSpPr>
+            <a:stCxn id="7" idx="2"/>
+            <a:endCxn id="5" idx="0"/>
+          </p:cNvCxnSpPr>
+          <p:nvPr/>
+        </p:nvCxnSpPr>
+        <p:spPr>
+          <a:xfrm flipH="1">
+            <a:off x="4396211" y="3089562"/>
+            <a:ext cx="1586266" cy="1353773"/>
+          </a:xfrm>
+          <a:prstGeom prst="straightConnector1">
+            <a:avLst/>
+          </a:prstGeom>
+          <a:ln>
+            <a:tailEnd type="triangle"/>
+          </a:ln>
+        </p:spPr>
+        <p:style>
+          <a:lnRef idx="2">
+            <a:schemeClr val="dk1"/>
+          </a:lnRef>
+          <a:fillRef idx="0">
+            <a:schemeClr val="dk1"/>
+          </a:fillRef>
+          <a:effectRef idx="1">
+            <a:schemeClr val="dk1"/>
+          </a:effectRef>
+          <a:fontRef idx="minor">
+            <a:schemeClr val="tx1"/>
+          </a:fontRef>
+        </p:style>
+      </p:cxnSp>
+      <p:cxnSp>
+        <p:nvCxnSpPr>
+          <p:cNvPr id="10" name="直接箭头连接符 9"/>
+          <p:cNvCxnSpPr>
+            <a:stCxn id="7" idx="2"/>
+            <a:endCxn id="6" idx="0"/>
+          </p:cNvCxnSpPr>
+          <p:nvPr/>
+        </p:nvCxnSpPr>
+        <p:spPr>
+          <a:xfrm>
+            <a:off x="5982477" y="3089562"/>
+            <a:ext cx="1586268" cy="1353773"/>
+          </a:xfrm>
+          <a:prstGeom prst="straightConnector1">
+            <a:avLst/>
+          </a:prstGeom>
+          <a:ln>
+            <a:tailEnd type="triangle"/>
+          </a:ln>
+        </p:spPr>
+        <p:style>
+          <a:lnRef idx="2">
+            <a:schemeClr val="dk1"/>
+          </a:lnRef>
+          <a:fillRef idx="0">
+            <a:schemeClr val="dk1"/>
+          </a:fillRef>
+          <a:effectRef idx="1">
+            <a:schemeClr val="dk1"/>
+          </a:effectRef>
+          <a:fontRef idx="minor">
+            <a:schemeClr val="tx1"/>
+          </a:fontRef>
+        </p:style>
+      </p:cxnSp>
+      <p:sp>
+        <p:nvSpPr>
+          <p:cNvPr id="11" name="矩形 10"/>
+          <p:cNvSpPr/>
+          <p:nvPr/>
+        </p:nvSpPr>
+        <p:spPr>
+          <a:xfrm>
+            <a:off x="5189342" y="2291540"/>
+            <a:ext cx="1586267" cy="606828"/>
+          </a:xfrm>
+          <a:prstGeom prst="rect">
+            <a:avLst/>
+          </a:prstGeom>
+        </p:spPr>
+        <p:style>
+          <a:lnRef idx="2">
+            <a:schemeClr val="accent6">
+              <a:shade val="50000"/>
+            </a:schemeClr>
+          </a:lnRef>
+          <a:fillRef idx="1">
+            <a:schemeClr val="accent6"/>
+          </a:fillRef>
+          <a:effectRef idx="0">
+            <a:schemeClr val="accent6"/>
+          </a:effectRef>
+          <a:fontRef idx="minor">
+            <a:schemeClr val="lt1"/>
+          </a:fontRef>
+        </p:style>
+        <p:txBody>
+          <a:bodyPr rtlCol="0" anchor="ctr"/>
+          <a:lstStyle/>
+          <a:p>
+            <a:pPr algn="ctr"/>
+            <a:r>
+              <a:rPr lang="en-US" altLang="zh-CN" sz="1200" dirty="0" smtClean="0"/>
+              <a:t>CAPA</a:t>
+            </a:r>
+            <a:endParaRPr lang="zh-CN" altLang="en-US" sz="1200" dirty="0"/>
+          </a:p>
+        </p:txBody>
+      </p:sp>
+      <p:cxnSp>
+        <p:nvCxnSpPr>
+          <p:cNvPr id="12" name="直接箭头连接符 11"/>
+          <p:cNvCxnSpPr>
+            <a:stCxn id="4" idx="2"/>
+            <a:endCxn id="11" idx="0"/>
+          </p:cNvCxnSpPr>
+          <p:nvPr/>
+        </p:nvCxnSpPr>
+        <p:spPr>
+          <a:xfrm>
+            <a:off x="5982476" y="1157036"/>
+            <a:ext cx="0" cy="1134504"/>
+          </a:xfrm>
+          <a:prstGeom prst="straightConnector1">
+            <a:avLst/>
+          </a:prstGeom>
+          <a:ln>
+            <a:tailEnd type="triangle"/>
+          </a:ln>
+        </p:spPr>
+        <p:style>
+          <a:lnRef idx="2">
+            <a:schemeClr val="dk1"/>
+          </a:lnRef>
+          <a:fillRef idx="0">
+            <a:schemeClr val="dk1"/>
+          </a:fillRef>
+          <a:effectRef idx="1">
+            <a:schemeClr val="dk1"/>
+          </a:effectRef>
+          <a:fontRef idx="minor">
+            <a:schemeClr val="tx1"/>
+          </a:fontRef>
+        </p:style>
+      </p:cxnSp>
+      <p:sp>
+        <p:nvSpPr>
+          <p:cNvPr id="14" name="矩形 13"/>
+          <p:cNvSpPr/>
+          <p:nvPr/>
+        </p:nvSpPr>
+        <p:spPr>
+          <a:xfrm>
+            <a:off x="8467329" y="550208"/>
+            <a:ext cx="1586267" cy="606828"/>
+          </a:xfrm>
+          <a:prstGeom prst="rect">
+            <a:avLst/>
+          </a:prstGeom>
+        </p:spPr>
+        <p:style>
+          <a:lnRef idx="2">
+            <a:schemeClr val="accent1">
+              <a:shade val="50000"/>
+            </a:schemeClr>
+          </a:lnRef>
+          <a:fillRef idx="1">
+            <a:schemeClr val="accent1"/>
+          </a:fillRef>
+          <a:effectRef idx="0">
+            <a:schemeClr val="accent1"/>
+          </a:effectRef>
+          <a:fontRef idx="minor">
+            <a:schemeClr val="lt1"/>
+          </a:fontRef>
+        </p:style>
+        <p:txBody>
+          <a:bodyPr rtlCol="0" anchor="ctr"/>
+          <a:lstStyle/>
+          <a:p>
+            <a:pPr algn="ctr"/>
+            <a:r>
+              <a:rPr lang="en-US" altLang="zh-CN" sz="1200" dirty="0" err="1" smtClean="0"/>
+              <a:t>Dubbo</a:t>
+            </a:r>
+            <a:endParaRPr lang="en-US" altLang="zh-CN" sz="1200" dirty="0" smtClean="0"/>
+          </a:p>
+          <a:p>
+            <a:pPr algn="ctr"/>
+            <a:r>
+              <a:rPr lang="en-US" altLang="zh-CN" sz="1200" dirty="0" smtClean="0"/>
+              <a:t>&lt;Interface&gt;</a:t>
+            </a:r>
+          </a:p>
+        </p:txBody>
+      </p:sp>
+      <p:cxnSp>
+        <p:nvCxnSpPr>
+          <p:cNvPr id="15" name="直接箭头连接符 14"/>
+          <p:cNvCxnSpPr>
+            <a:stCxn id="14" idx="2"/>
+            <a:endCxn id="11" idx="0"/>
+          </p:cNvCxnSpPr>
+          <p:nvPr/>
+        </p:nvCxnSpPr>
+        <p:spPr>
+          <a:xfrm flipH="1">
+            <a:off x="5982476" y="1157036"/>
+            <a:ext cx="3277987" cy="1134504"/>
+          </a:xfrm>
+          <a:prstGeom prst="straightConnector1">
+            <a:avLst/>
+          </a:prstGeom>
+          <a:ln>
+            <a:tailEnd type="triangle"/>
+          </a:ln>
+        </p:spPr>
+        <p:style>
+          <a:lnRef idx="2">
+            <a:schemeClr val="dk1"/>
+          </a:lnRef>
+          <a:fillRef idx="0">
+            <a:schemeClr val="dk1"/>
+          </a:fillRef>
+          <a:effectRef idx="1">
+            <a:schemeClr val="dk1"/>
+          </a:effectRef>
+          <a:fontRef idx="minor">
+            <a:schemeClr val="tx1"/>
+          </a:fontRef>
+        </p:style>
+      </p:cxnSp>
+      <p:sp>
+        <p:nvSpPr>
+          <p:cNvPr id="18" name="矩形 17"/>
+          <p:cNvSpPr/>
+          <p:nvPr/>
+        </p:nvSpPr>
+        <p:spPr>
+          <a:xfrm>
+            <a:off x="3603075" y="5418695"/>
+            <a:ext cx="1586267" cy="606828"/>
+          </a:xfrm>
+          <a:prstGeom prst="rect">
+            <a:avLst/>
+          </a:prstGeom>
+        </p:spPr>
+        <p:style>
+          <a:lnRef idx="2">
+            <a:schemeClr val="accent1">
+              <a:shade val="50000"/>
+            </a:schemeClr>
+          </a:lnRef>
+          <a:fillRef idx="1">
+            <a:schemeClr val="accent1"/>
+          </a:fillRef>
+          <a:effectRef idx="0">
+            <a:schemeClr val="accent1"/>
+          </a:effectRef>
+          <a:fontRef idx="minor">
+            <a:schemeClr val="lt1"/>
+          </a:fontRef>
+        </p:style>
+        <p:txBody>
+          <a:bodyPr rtlCol="0" anchor="ctr"/>
+          <a:lstStyle/>
+          <a:p>
+            <a:pPr algn="ctr"/>
+            <a:r>
+              <a:rPr lang="en-US" altLang="zh-CN" sz="1200" dirty="0" err="1" smtClean="0"/>
+              <a:t>Ctrip</a:t>
+            </a:r>
+            <a:endParaRPr lang="en-US" altLang="zh-CN" sz="1200" dirty="0" smtClean="0"/>
+          </a:p>
+          <a:p>
+            <a:pPr algn="ctr"/>
+            <a:r>
+              <a:rPr lang="en-US" altLang="zh-CN" sz="1200" dirty="0" smtClean="0"/>
+              <a:t>Service Mesh</a:t>
+            </a:r>
+          </a:p>
+          <a:p>
+            <a:pPr algn="ctr"/>
+            <a:r>
+              <a:rPr lang="en-US" altLang="zh-CN" sz="1200" dirty="0" smtClean="0"/>
+              <a:t>&lt;Implement&gt;</a:t>
+            </a:r>
+            <a:endParaRPr lang="zh-CN" altLang="en-US" sz="1200" dirty="0"/>
+          </a:p>
+        </p:txBody>
+      </p:sp>
+      <p:cxnSp>
+        <p:nvCxnSpPr>
+          <p:cNvPr id="19" name="直接箭头连接符 18"/>
+          <p:cNvCxnSpPr>
+            <a:stCxn id="7" idx="2"/>
+            <a:endCxn id="18" idx="0"/>
+          </p:cNvCxnSpPr>
+          <p:nvPr/>
+        </p:nvCxnSpPr>
+        <p:spPr>
+          <a:xfrm flipH="1">
+            <a:off x="4396209" y="3089562"/>
+            <a:ext cx="1586268" cy="2329133"/>
+          </a:xfrm>
+          <a:prstGeom prst="straightConnector1">
+            <a:avLst/>
+          </a:prstGeom>
+          <a:ln>
+            <a:tailEnd type="triangle"/>
+          </a:ln>
+        </p:spPr>
+        <p:style>
+          <a:lnRef idx="2">
+            <a:schemeClr val="dk1"/>
+          </a:lnRef>
+          <a:fillRef idx="0">
+            <a:schemeClr val="dk1"/>
+          </a:fillRef>
+          <a:effectRef idx="1">
+            <a:schemeClr val="dk1"/>
+          </a:effectRef>
+          <a:fontRef idx="minor">
+            <a:schemeClr val="tx1"/>
+          </a:fontRef>
+        </p:style>
+      </p:cxnSp>
+    </p:spTree>
+    <p:extLst>
+      <p:ext uri="{BB962C8B-B14F-4D97-AF65-F5344CB8AC3E}">
+        <p14:creationId xmlns:p14="http://schemas.microsoft.com/office/powerpoint/2010/main" val="332117136"/>
+      </p:ext>
+    </p:extLst>
+  </p:cSld>
+  <p:clrMapOvr>
+    <a:masterClrMapping/>
+  </p:clrMapOvr>
 </p:sld>
 </file>
 
